--- a/Team Dev A TechGig PPT.pptx
+++ b/Team Dev A TechGig PPT.pptx
@@ -3397,12 +3397,31 @@
             <p:ph type="subTitle" idx="1"/>
           </p:nvPr>
         </p:nvSpPr>
-        <p:spPr/>
-        <p:txBody>
-          <a:bodyPr/>
-          <a:lstStyle/>
-          <a:p>
-            <a:endParaRPr lang="en-IN"/>
+        <p:spPr>
+          <a:xfrm>
+            <a:off x="1847460" y="3806890"/>
+            <a:ext cx="8820539" cy="1450910"/>
+          </a:xfrm>
+        </p:spPr>
+        <p:txBody>
+          <a:bodyPr/>
+          <a:lstStyle/>
+          <a:p>
+            <a:r>
+              <a:rPr lang="en-US" dirty="0"/>
+              <a:t>TECHGIG Code Gladiators </a:t>
+            </a:r>
+            <a:r>
+              <a:rPr lang="en-IN" b="0" i="0" dirty="0">
+                <a:solidFill>
+                  <a:srgbClr val="19171A"/>
+                </a:solidFill>
+                <a:effectLst/>
+                <a:latin typeface="lato"/>
+              </a:rPr>
+              <a:t>Machine Learning 2021 Submission</a:t>
+            </a:r>
+            <a:endParaRPr lang="en-IN" dirty="0"/>
           </a:p>
         </p:txBody>
       </p:sp>
@@ -3574,6 +3593,10 @@
           <a:bodyPr/>
           <a:lstStyle/>
           <a:p>
+            <a:r>
+              <a:rPr lang="en-US" dirty="0"/>
+              <a:t> </a:t>
+            </a:r>
             <a:endParaRPr lang="en-IN" dirty="0"/>
           </a:p>
         </p:txBody>
@@ -3596,7 +3619,9 @@
         </p:nvSpPr>
         <p:spPr/>
         <p:txBody>
-          <a:bodyPr/>
+          <a:bodyPr>
+            <a:normAutofit lnSpcReduction="10000"/>
+          </a:bodyPr>
           <a:lstStyle/>
           <a:p>
             <a:pPr marL="0" indent="0">
@@ -3637,7 +3662,40 @@
             </a:pPr>
             <a:r>
               <a:rPr lang="en-IN" dirty="0"/>
-              <a:t>	Code at https://github.com/deva-git-hub/techgig-final</a:t>
+              <a:t>	Code at </a:t>
+            </a:r>
+            <a:r>
+              <a:rPr lang="en-IN" dirty="0">
+                <a:hlinkClick r:id="rId2"/>
+              </a:rPr>
+              <a:t>https://github.com/deva-git-hub/techgig-final</a:t>
+            </a:r>
+            <a:endParaRPr lang="en-IN" dirty="0"/>
+          </a:p>
+          <a:p>
+            <a:pPr marL="0" indent="0">
+              <a:buNone/>
+            </a:pPr>
+            <a:r>
+              <a:rPr lang="en-IN" dirty="0"/>
+              <a:t> </a:t>
+            </a:r>
+            <a:r>
+              <a:rPr lang="en-IN" dirty="0" err="1"/>
+              <a:t>colab</a:t>
+            </a:r>
+            <a:r>
+              <a:rPr lang="en-IN" dirty="0"/>
+              <a:t> link:                     </a:t>
+            </a:r>
+          </a:p>
+          <a:p>
+            <a:pPr marL="0" indent="0">
+              <a:buNone/>
+            </a:pPr>
+            <a:r>
+              <a:rPr lang="en-IN" dirty="0"/>
+              <a:t>https://colab.research.google.com/drive/1PZtJ4sWdlCcMwh3w7xiuYtaVSlmKHZ3k?usp=sharing</a:t>
             </a:r>
           </a:p>
         </p:txBody>
@@ -4167,11 +4225,22 @@
             <p:ph type="title"/>
           </p:nvPr>
         </p:nvSpPr>
-        <p:spPr/>
-        <p:txBody>
-          <a:bodyPr/>
-          <a:lstStyle/>
-          <a:p>
+        <p:spPr>
+          <a:xfrm flipV="1">
+            <a:off x="838200" y="289249"/>
+            <a:ext cx="10685106" cy="391787"/>
+          </a:xfrm>
+        </p:spPr>
+        <p:txBody>
+          <a:bodyPr>
+            <a:normAutofit fontScale="90000"/>
+          </a:bodyPr>
+          <a:lstStyle/>
+          <a:p>
+            <a:r>
+              <a:rPr lang="en-US" dirty="0"/>
+              <a:t> </a:t>
+            </a:r>
             <a:endParaRPr lang="en-IN" dirty="0"/>
           </a:p>
         </p:txBody>
@@ -4406,6 +4475,10 @@
           <a:bodyPr/>
           <a:lstStyle/>
           <a:p>
+            <a:r>
+              <a:rPr lang="en-US" dirty="0"/>
+              <a:t> </a:t>
+            </a:r>
             <a:endParaRPr lang="en-IN" dirty="0"/>
           </a:p>
         </p:txBody>
@@ -4670,7 +4743,11 @@
           <a:bodyPr/>
           <a:lstStyle/>
           <a:p>
-            <a:endParaRPr lang="en-IN"/>
+            <a:r>
+              <a:rPr lang="en-US" dirty="0"/>
+              <a:t> </a:t>
+            </a:r>
+            <a:endParaRPr lang="en-IN" dirty="0"/>
           </a:p>
         </p:txBody>
       </p:sp>
